--- a/instructions/my_screen_shot/presentation.pptx
+++ b/instructions/my_screen_shot/presentation.pptx
@@ -5,7 +5,7 @@
     <p:sldMasterId id="2147483766" r:id="rId1"/>
   </p:sldMasterIdLst>
   <p:notesMasterIdLst>
-    <p:notesMasterId r:id="rId10"/>
+    <p:notesMasterId r:id="rId11"/>
   </p:notesMasterIdLst>
   <p:sldIdLst>
     <p:sldId id="256" r:id="rId2"/>
@@ -14,8 +14,9 @@
     <p:sldId id="260" r:id="rId5"/>
     <p:sldId id="261" r:id="rId6"/>
     <p:sldId id="264" r:id="rId7"/>
-    <p:sldId id="262" r:id="rId8"/>
-    <p:sldId id="265" r:id="rId9"/>
+    <p:sldId id="266" r:id="rId8"/>
+    <p:sldId id="262" r:id="rId9"/>
+    <p:sldId id="265" r:id="rId10"/>
   </p:sldIdLst>
   <p:sldSz cx="12192000" cy="6858000"/>
   <p:notesSz cx="6858000" cy="9144000"/>
@@ -1050,6 +1051,90 @@
     </p:spTree>
     <p:extLst>
       <p:ext uri="{BB962C8B-B14F-4D97-AF65-F5344CB8AC3E}">
+        <p14:creationId xmlns:p14="http://schemas.microsoft.com/office/powerpoint/2010/main" val="2749558918"/>
+      </p:ext>
+    </p:extLst>
+  </p:cSld>
+  <p:clrMapOvr>
+    <a:masterClrMapping/>
+  </p:clrMapOvr>
+</p:notes>
+</file>
+
+<file path=ppt/notesSlides/notesSlide8.xml><?xml version="1.0" encoding="utf-8"?>
+<p:notes xmlns:a="http://schemas.openxmlformats.org/drawingml/2006/main" xmlns:r="http://schemas.openxmlformats.org/officeDocument/2006/relationships" xmlns:p="http://schemas.openxmlformats.org/presentationml/2006/main">
+  <p:cSld>
+    <p:spTree>
+      <p:nvGrpSpPr>
+        <p:cNvPr id="1" name=""/>
+        <p:cNvGrpSpPr/>
+        <p:nvPr/>
+      </p:nvGrpSpPr>
+      <p:grpSpPr>
+        <a:xfrm>
+          <a:off x="0" y="0"/>
+          <a:ext cx="0" cy="0"/>
+          <a:chOff x="0" y="0"/>
+          <a:chExt cx="0" cy="0"/>
+        </a:xfrm>
+      </p:grpSpPr>
+      <p:sp>
+        <p:nvSpPr>
+          <p:cNvPr id="2" name="Chỗ dành sẵn cho Hình ảnh của Bản chiếu 1"/>
+          <p:cNvSpPr>
+            <a:spLocks noGrp="1" noRot="1" noChangeAspect="1"/>
+          </p:cNvSpPr>
+          <p:nvPr>
+            <p:ph type="sldImg"/>
+          </p:nvPr>
+        </p:nvSpPr>
+        <p:spPr/>
+      </p:sp>
+      <p:sp>
+        <p:nvSpPr>
+          <p:cNvPr id="3" name="Chỗ dành sẵn cho Ghi chú 2"/>
+          <p:cNvSpPr>
+            <a:spLocks noGrp="1"/>
+          </p:cNvSpPr>
+          <p:nvPr>
+            <p:ph type="body" idx="1"/>
+          </p:nvPr>
+        </p:nvSpPr>
+        <p:spPr/>
+        <p:txBody>
+          <a:bodyPr/>
+          <a:lstStyle/>
+          <a:p>
+            <a:endParaRPr lang="en-US"/>
+          </a:p>
+        </p:txBody>
+      </p:sp>
+      <p:sp>
+        <p:nvSpPr>
+          <p:cNvPr id="4" name="Chỗ dành sẵn cho Số hiệu Bản chiếu 3"/>
+          <p:cNvSpPr>
+            <a:spLocks noGrp="1"/>
+          </p:cNvSpPr>
+          <p:nvPr>
+            <p:ph type="sldNum" sz="quarter" idx="10"/>
+          </p:nvPr>
+        </p:nvSpPr>
+        <p:spPr/>
+        <p:txBody>
+          <a:bodyPr/>
+          <a:lstStyle/>
+          <a:p>
+            <a:fld id="{D565B224-73C8-4BB4-8B57-356F2FD6A097}" type="slidenum">
+              <a:rPr lang="en-US" smtClean="0"/>
+              <a:t>8</a:t>
+            </a:fld>
+            <a:endParaRPr lang="en-US"/>
+          </a:p>
+        </p:txBody>
+      </p:sp>
+    </p:spTree>
+    <p:extLst>
+      <p:ext uri="{BB962C8B-B14F-4D97-AF65-F5344CB8AC3E}">
         <p14:creationId xmlns:p14="http://schemas.microsoft.com/office/powerpoint/2010/main" val="1075918471"/>
       </p:ext>
     </p:extLst>
@@ -1060,7 +1145,7 @@
 </p:notes>
 </file>
 
-<file path=ppt/notesSlides/notesSlide8.xml><?xml version="1.0" encoding="utf-8"?>
+<file path=ppt/notesSlides/notesSlide9.xml><?xml version="1.0" encoding="utf-8"?>
 <p:notes xmlns:a="http://schemas.openxmlformats.org/drawingml/2006/main" xmlns:r="http://schemas.openxmlformats.org/officeDocument/2006/relationships" xmlns:p="http://schemas.openxmlformats.org/presentationml/2006/main">
   <p:cSld>
     <p:spTree>
@@ -1172,7 +1257,7 @@
                 <a:tabLst/>
                 <a:defRPr/>
               </a:pPr>
-              <a:t>8</a:t>
+              <a:t>9</a:t>
             </a:fld>
             <a:endParaRPr kumimoji="0" lang="en-US" sz="1200" b="0" i="0" u="none" strike="noStrike" kern="1200" cap="none" spc="0" normalizeH="0" baseline="0" noProof="0">
               <a:ln>
@@ -5145,7 +5230,6 @@
               <a:rPr lang="en-GB" sz="2400" dirty="0" smtClean="0"/>
               <a:t>?</a:t>
             </a:r>
-            <a:endParaRPr lang="en-GB" sz="2400" dirty="0" smtClean="0"/>
           </a:p>
           <a:p>
             <a:r>
@@ -5265,18 +5349,7 @@
                   </a:schemeClr>
                 </a:solidFill>
               </a:rPr>
-              <a:t>is CI/CD</a:t>
-            </a:r>
-            <a:r>
-              <a:rPr lang="en-GB" sz="4000" dirty="0" smtClean="0">
-                <a:solidFill>
-                  <a:schemeClr val="accent5">
-                    <a:lumMod val="60000"/>
-                    <a:lumOff val="40000"/>
-                  </a:schemeClr>
-                </a:solidFill>
-              </a:rPr>
-              <a:t>?</a:t>
+              <a:t>is CI/CD?</a:t>
             </a:r>
             <a:endParaRPr lang="en-US" sz="4000" dirty="0">
               <a:solidFill>
@@ -5811,18 +5884,7 @@
                   </a:schemeClr>
                 </a:solidFill>
               </a:rPr>
-              <a:t>are the Business Benefits of </a:t>
-            </a:r>
-            <a:r>
-              <a:rPr lang="en-GB" sz="4000" dirty="0">
-                <a:solidFill>
-                  <a:schemeClr val="accent5">
-                    <a:lumMod val="60000"/>
-                    <a:lumOff val="40000"/>
-                  </a:schemeClr>
-                </a:solidFill>
-              </a:rPr>
-              <a:t>CI/CD</a:t>
+              <a:t>are the Business Benefits of CI/CD</a:t>
             </a:r>
             <a:r>
               <a:rPr lang="en-GB" sz="4000" dirty="0" smtClean="0">
@@ -5846,207 +5908,445 @@
           </a:p>
         </p:txBody>
       </p:sp>
-      <p:sp>
-        <p:nvSpPr>
-          <p:cNvPr id="3" name="Chỗ dành sẵn cho Nội dung 2"/>
-          <p:cNvSpPr>
-            <a:spLocks noGrp="1"/>
-          </p:cNvSpPr>
+      <p:graphicFrame>
+        <p:nvGraphicFramePr>
+          <p:cNvPr id="4" name="Content Placeholder 3"/>
+          <p:cNvGraphicFramePr>
+            <a:graphicFrameLocks noGrp="1"/>
+          </p:cNvGraphicFramePr>
           <p:nvPr>
             <p:ph idx="1"/>
-          </p:nvPr>
-        </p:nvSpPr>
-        <p:spPr>
-          <a:xfrm>
-            <a:off x="720926" y="1545678"/>
-            <a:ext cx="8946541" cy="4195481"/>
-          </a:xfrm>
-        </p:spPr>
-        <p:txBody>
-          <a:bodyPr anchor="ctr">
-            <a:noAutofit/>
-          </a:bodyPr>
-          <a:lstStyle/>
-          <a:p>
-            <a:pPr lvl="1">
-              <a:buFont typeface="Courier New" panose="02070309020205020404" pitchFamily="49" charset="0"/>
-              <a:buChar char="o"/>
-            </a:pPr>
-            <a:r>
-              <a:rPr lang="en-GB" dirty="0"/>
-              <a:t>Bring Products to Market </a:t>
-            </a:r>
-            <a:r>
-              <a:rPr lang="en-GB" dirty="0" smtClean="0"/>
-              <a:t>Faster.</a:t>
-            </a:r>
-            <a:endParaRPr lang="en-GB" dirty="0"/>
-          </a:p>
-          <a:p>
-            <a:pPr lvl="1">
-              <a:buFont typeface="Courier New" panose="02070309020205020404" pitchFamily="49" charset="0"/>
-              <a:buChar char="o"/>
-            </a:pPr>
-            <a:r>
-              <a:rPr lang="en-GB" dirty="0"/>
-              <a:t>Allows Developers to Deliver Products Consumers Want Now</a:t>
-            </a:r>
-            <a:r>
-              <a:rPr lang="en-GB" dirty="0" smtClean="0"/>
-              <a:t>.</a:t>
-            </a:r>
-            <a:endParaRPr lang="en-GB" dirty="0"/>
-          </a:p>
-          <a:p>
-            <a:pPr lvl="1">
-              <a:buFont typeface="Courier New" panose="02070309020205020404" pitchFamily="49" charset="0"/>
-              <a:buChar char="o"/>
-            </a:pPr>
-            <a:r>
-              <a:rPr lang="en-GB" dirty="0"/>
-              <a:t>CI/CD enables organizations to respond to consumer needs as </a:t>
-            </a:r>
-            <a:r>
-              <a:rPr lang="en-GB" dirty="0" smtClean="0"/>
-              <a:t>they evolve.</a:t>
-            </a:r>
-            <a:endParaRPr lang="en-GB" dirty="0"/>
-          </a:p>
-          <a:p>
-            <a:pPr lvl="1">
-              <a:buFont typeface="Courier New" panose="02070309020205020404" pitchFamily="49" charset="0"/>
-              <a:buChar char="o"/>
-            </a:pPr>
-            <a:r>
-              <a:rPr lang="en-GB" dirty="0"/>
-              <a:t>CI/CD plays a crucial role in shortening time to value</a:t>
-            </a:r>
-            <a:r>
-              <a:rPr lang="en-GB" dirty="0" smtClean="0"/>
-              <a:t>.</a:t>
-            </a:r>
-            <a:endParaRPr lang="en-GB" dirty="0"/>
-          </a:p>
-          <a:p>
-            <a:pPr lvl="1">
-              <a:buFont typeface="Courier New" panose="02070309020205020404" pitchFamily="49" charset="0"/>
-              <a:buChar char="o"/>
-            </a:pPr>
-            <a:r>
-              <a:rPr lang="en-GB" dirty="0"/>
-              <a:t>CI/CD supports customer outcomes from a technical standpoint</a:t>
-            </a:r>
-            <a:r>
-              <a:rPr lang="en-GB" dirty="0" smtClean="0"/>
-              <a:t>.</a:t>
-            </a:r>
-            <a:endParaRPr lang="en-GB" dirty="0"/>
-          </a:p>
-          <a:p>
-            <a:pPr lvl="1">
-              <a:buFont typeface="Courier New" panose="02070309020205020404" pitchFamily="49" charset="0"/>
-              <a:buChar char="o"/>
-            </a:pPr>
-            <a:r>
-              <a:rPr lang="en-GB" dirty="0"/>
-              <a:t>Boosts DevOps </a:t>
-            </a:r>
-            <a:r>
-              <a:rPr lang="en-GB" dirty="0" smtClean="0"/>
-              <a:t>efficiency.</a:t>
-            </a:r>
-            <a:endParaRPr lang="en-GB" dirty="0"/>
-          </a:p>
-          <a:p>
-            <a:pPr lvl="1">
-              <a:buFont typeface="Courier New" panose="02070309020205020404" pitchFamily="49" charset="0"/>
-              <a:buChar char="o"/>
-            </a:pPr>
-            <a:r>
-              <a:rPr lang="en-GB" dirty="0"/>
-              <a:t>CI/CD Improves App </a:t>
-            </a:r>
-            <a:r>
-              <a:rPr lang="en-GB" dirty="0" smtClean="0"/>
-              <a:t>Quality.</a:t>
-            </a:r>
-            <a:endParaRPr lang="en-GB" dirty="0"/>
-          </a:p>
-          <a:p>
-            <a:pPr lvl="1">
-              <a:buFont typeface="Courier New" panose="02070309020205020404" pitchFamily="49" charset="0"/>
-              <a:buChar char="o"/>
-            </a:pPr>
-            <a:r>
-              <a:rPr lang="en-GB" dirty="0"/>
-              <a:t>Supports </a:t>
-            </a:r>
-            <a:r>
-              <a:rPr lang="en-GB" dirty="0" smtClean="0"/>
-              <a:t>Cloud</a:t>
-            </a:r>
-            <a:r>
-              <a:rPr lang="en-GB" dirty="0"/>
-              <a:t> </a:t>
-            </a:r>
-            <a:r>
-              <a:rPr lang="en-GB" dirty="0" smtClean="0"/>
-              <a:t>Based </a:t>
-            </a:r>
-            <a:r>
-              <a:rPr lang="en-GB" dirty="0"/>
-              <a:t>App </a:t>
-            </a:r>
-            <a:r>
-              <a:rPr lang="en-GB" dirty="0" smtClean="0"/>
-              <a:t>Development.</a:t>
-            </a:r>
-            <a:endParaRPr lang="en-GB" dirty="0"/>
-          </a:p>
-          <a:p>
-            <a:pPr lvl="1">
-              <a:buFont typeface="Courier New" panose="02070309020205020404" pitchFamily="49" charset="0"/>
-              <a:buChar char="o"/>
-            </a:pPr>
-            <a:r>
-              <a:rPr lang="en-GB" dirty="0"/>
-              <a:t>Reduce Costs and Boost </a:t>
-            </a:r>
-            <a:r>
-              <a:rPr lang="en-GB" dirty="0" smtClean="0"/>
-              <a:t>Profits.</a:t>
-            </a:r>
-            <a:endParaRPr lang="en-GB" dirty="0"/>
-          </a:p>
-          <a:p>
-            <a:pPr lvl="1">
-              <a:buFont typeface="Courier New" panose="02070309020205020404" pitchFamily="49" charset="0"/>
-              <a:buChar char="o"/>
-            </a:pPr>
-            <a:r>
-              <a:rPr lang="en-GB" dirty="0"/>
-              <a:t>Gain </a:t>
-            </a:r>
-            <a:r>
-              <a:rPr lang="en-GB" dirty="0" smtClean="0"/>
-              <a:t>Real</a:t>
-            </a:r>
-            <a:r>
-              <a:rPr lang="en-GB" dirty="0"/>
-              <a:t>-</a:t>
-            </a:r>
-            <a:r>
-              <a:rPr lang="en-GB" dirty="0" smtClean="0"/>
-              <a:t>Time </a:t>
-            </a:r>
-            <a:r>
-              <a:rPr lang="en-GB" dirty="0"/>
-              <a:t>Visibility of the Development </a:t>
-            </a:r>
-            <a:endParaRPr lang="en-US" dirty="0"/>
-          </a:p>
-        </p:txBody>
-      </p:sp>
+            <p:extLst>
+              <p:ext uri="{D42A27DB-BD31-4B8C-83A1-F6EECF244321}">
+                <p14:modId xmlns:p14="http://schemas.microsoft.com/office/powerpoint/2010/main" val="298817327"/>
+              </p:ext>
+            </p:extLst>
+          </p:nvPr>
+        </p:nvGraphicFramePr>
+        <p:xfrm>
+          <a:off x="720926" y="1896954"/>
+          <a:ext cx="10640181" cy="4206240"/>
+        </p:xfrm>
+        <a:graphic>
+          <a:graphicData uri="http://schemas.openxmlformats.org/drawingml/2006/table">
+            <a:tbl>
+              <a:tblPr firstRow="1" bandRow="1">
+                <a:tableStyleId>{5C22544A-7EE6-4342-B048-85BDC9FD1C3A}</a:tableStyleId>
+              </a:tblPr>
+              <a:tblGrid>
+                <a:gridCol w="3546727">
+                  <a:extLst>
+                    <a:ext uri="{9D8B030D-6E8A-4147-A177-3AD203B41FA5}">
+                      <a16:colId xmlns:a16="http://schemas.microsoft.com/office/drawing/2014/main" val="4281588317"/>
+                    </a:ext>
+                  </a:extLst>
+                </a:gridCol>
+                <a:gridCol w="3546727">
+                  <a:extLst>
+                    <a:ext uri="{9D8B030D-6E8A-4147-A177-3AD203B41FA5}">
+                      <a16:colId xmlns:a16="http://schemas.microsoft.com/office/drawing/2014/main" val="2209615778"/>
+                    </a:ext>
+                  </a:extLst>
+                </a:gridCol>
+                <a:gridCol w="3546727">
+                  <a:extLst>
+                    <a:ext uri="{9D8B030D-6E8A-4147-A177-3AD203B41FA5}">
+                      <a16:colId xmlns:a16="http://schemas.microsoft.com/office/drawing/2014/main" val="3982292455"/>
+                    </a:ext>
+                  </a:extLst>
+                </a:gridCol>
+              </a:tblGrid>
+              <a:tr h="342567">
+                <a:tc>
+                  <a:txBody>
+                    <a:bodyPr/>
+                    <a:lstStyle/>
+                    <a:p>
+                      <a:r>
+                        <a:rPr lang="en-US" dirty="0" smtClean="0"/>
+                        <a:t>CI/CD Language</a:t>
+                      </a:r>
+                      <a:endParaRPr lang="en-US" dirty="0"/>
+                    </a:p>
+                  </a:txBody>
+                  <a:tcPr/>
+                </a:tc>
+                <a:tc>
+                  <a:txBody>
+                    <a:bodyPr/>
+                    <a:lstStyle/>
+                    <a:p>
+                      <a:r>
+                        <a:rPr lang="en-US" dirty="0" smtClean="0"/>
+                        <a:t>Capture value</a:t>
+                      </a:r>
+                      <a:endParaRPr lang="en-US" dirty="0"/>
+                    </a:p>
+                  </a:txBody>
+                  <a:tcPr/>
+                </a:tc>
+                <a:tc>
+                  <a:txBody>
+                    <a:bodyPr/>
+                    <a:lstStyle/>
+                    <a:p>
+                      <a:r>
+                        <a:rPr lang="en-US" dirty="0" smtClean="0"/>
+                        <a:t>Translation</a:t>
+                      </a:r>
+                      <a:endParaRPr lang="en-US" dirty="0"/>
+                    </a:p>
+                  </a:txBody>
+                  <a:tcPr/>
+                </a:tc>
+                <a:extLst>
+                  <a:ext uri="{0D108BD9-81ED-4DB2-BD59-A6C34878D82A}">
+                    <a16:rowId xmlns:a16="http://schemas.microsoft.com/office/drawing/2014/main" val="2551068376"/>
+                  </a:ext>
+                </a:extLst>
+              </a:tr>
+              <a:tr h="591281">
+                <a:tc>
+                  <a:txBody>
+                    <a:bodyPr/>
+                    <a:lstStyle/>
+                    <a:p>
+                      <a:r>
+                        <a:rPr lang="en-US" dirty="0" smtClean="0"/>
+                        <a:t>Catch</a:t>
+                      </a:r>
+                      <a:r>
+                        <a:rPr lang="en-US" baseline="0" dirty="0" smtClean="0"/>
+                        <a:t> Compile Errors After Merge</a:t>
+                      </a:r>
+                      <a:endParaRPr lang="en-US" dirty="0"/>
+                    </a:p>
+                  </a:txBody>
+                  <a:tcPr/>
+                </a:tc>
+                <a:tc>
+                  <a:txBody>
+                    <a:bodyPr/>
+                    <a:lstStyle/>
+                    <a:p>
+                      <a:r>
+                        <a:rPr lang="en-US" dirty="0" smtClean="0"/>
+                        <a:t>Reduce Cost</a:t>
+                      </a:r>
+                      <a:endParaRPr lang="en-US" dirty="0"/>
+                    </a:p>
+                  </a:txBody>
+                  <a:tcPr/>
+                </a:tc>
+                <a:tc>
+                  <a:txBody>
+                    <a:bodyPr/>
+                    <a:lstStyle/>
+                    <a:p>
+                      <a:r>
+                        <a:rPr lang="en-US" dirty="0" smtClean="0"/>
+                        <a:t>Les</a:t>
+                      </a:r>
+                      <a:r>
+                        <a:rPr lang="en-US" baseline="0" dirty="0" smtClean="0"/>
+                        <a:t>s developer time on issue from new developer code</a:t>
+                      </a:r>
+                      <a:endParaRPr lang="en-US" dirty="0"/>
+                    </a:p>
+                  </a:txBody>
+                  <a:tcPr/>
+                </a:tc>
+                <a:extLst>
+                  <a:ext uri="{0D108BD9-81ED-4DB2-BD59-A6C34878D82A}">
+                    <a16:rowId xmlns:a16="http://schemas.microsoft.com/office/drawing/2014/main" val="4290159431"/>
+                  </a:ext>
+                </a:extLst>
+              </a:tr>
+              <a:tr h="591281">
+                <a:tc>
+                  <a:txBody>
+                    <a:bodyPr/>
+                    <a:lstStyle/>
+                    <a:p>
+                      <a:r>
+                        <a:rPr lang="en-US" dirty="0" smtClean="0"/>
+                        <a:t>Catch</a:t>
+                      </a:r>
+                      <a:r>
+                        <a:rPr lang="en-US" baseline="0" dirty="0" smtClean="0"/>
+                        <a:t> Unit Test Failures</a:t>
+                      </a:r>
+                      <a:endParaRPr lang="en-US" dirty="0"/>
+                    </a:p>
+                  </a:txBody>
+                  <a:tcPr/>
+                </a:tc>
+                <a:tc>
+                  <a:txBody>
+                    <a:bodyPr/>
+                    <a:lstStyle/>
+                    <a:p>
+                      <a:r>
+                        <a:rPr lang="en-US" dirty="0" smtClean="0"/>
+                        <a:t>Avoid</a:t>
+                      </a:r>
+                      <a:r>
+                        <a:rPr lang="en-US" baseline="0" dirty="0" smtClean="0"/>
+                        <a:t> Cost</a:t>
+                      </a:r>
+                      <a:endParaRPr lang="en-US" dirty="0"/>
+                    </a:p>
+                  </a:txBody>
+                  <a:tcPr/>
+                </a:tc>
+                <a:tc>
+                  <a:txBody>
+                    <a:bodyPr/>
+                    <a:lstStyle/>
+                    <a:p>
+                      <a:r>
+                        <a:rPr lang="en-US" dirty="0" smtClean="0"/>
+                        <a:t>Less bugs in production and less time testing</a:t>
+                      </a:r>
+                      <a:endParaRPr lang="en-US" dirty="0"/>
+                    </a:p>
+                  </a:txBody>
+                  <a:tcPr/>
+                </a:tc>
+                <a:extLst>
+                  <a:ext uri="{0D108BD9-81ED-4DB2-BD59-A6C34878D82A}">
+                    <a16:rowId xmlns:a16="http://schemas.microsoft.com/office/drawing/2014/main" val="1297004356"/>
+                  </a:ext>
+                </a:extLst>
+              </a:tr>
+              <a:tr h="591281">
+                <a:tc>
+                  <a:txBody>
+                    <a:bodyPr/>
+                    <a:lstStyle/>
+                    <a:p>
+                      <a:r>
+                        <a:rPr lang="en-US" dirty="0" smtClean="0"/>
+                        <a:t>Detect Sercurity</a:t>
+                      </a:r>
+                      <a:r>
+                        <a:rPr lang="en-US" baseline="0" dirty="0" smtClean="0"/>
+                        <a:t>  Vulnerabilities</a:t>
+                      </a:r>
+                      <a:endParaRPr lang="en-US" dirty="0"/>
+                    </a:p>
+                  </a:txBody>
+                  <a:tcPr/>
+                </a:tc>
+                <a:tc>
+                  <a:txBody>
+                    <a:bodyPr/>
+                    <a:lstStyle/>
+                    <a:p>
+                      <a:r>
+                        <a:rPr lang="en-US" dirty="0" smtClean="0"/>
+                        <a:t>Avoid Cost</a:t>
+                      </a:r>
+                      <a:endParaRPr lang="en-US" dirty="0"/>
+                    </a:p>
+                  </a:txBody>
+                  <a:tcPr/>
+                </a:tc>
+                <a:tc>
+                  <a:txBody>
+                    <a:bodyPr/>
+                    <a:lstStyle/>
+                    <a:p>
+                      <a:r>
+                        <a:rPr lang="en-US" dirty="0" smtClean="0"/>
+                        <a:t>Prevent embrrassing</a:t>
+                      </a:r>
+                      <a:r>
+                        <a:rPr lang="en-US" baseline="0" dirty="0" smtClean="0"/>
+                        <a:t> or costly security holes</a:t>
+                      </a:r>
+                      <a:endParaRPr lang="en-US" dirty="0"/>
+                    </a:p>
+                  </a:txBody>
+                  <a:tcPr/>
+                </a:tc>
+                <a:extLst>
+                  <a:ext uri="{0D108BD9-81ED-4DB2-BD59-A6C34878D82A}">
+                    <a16:rowId xmlns:a16="http://schemas.microsoft.com/office/drawing/2014/main" val="2059529519"/>
+                  </a:ext>
+                </a:extLst>
+              </a:tr>
+              <a:tr h="342567">
+                <a:tc>
+                  <a:txBody>
+                    <a:bodyPr/>
+                    <a:lstStyle/>
+                    <a:p>
+                      <a:r>
+                        <a:rPr lang="en-US" dirty="0" smtClean="0"/>
+                        <a:t>Auto</a:t>
+                      </a:r>
+                      <a:r>
+                        <a:rPr lang="en-US" baseline="0" dirty="0" smtClean="0"/>
+                        <a:t> mate Infrastructure Creation</a:t>
+                      </a:r>
+                      <a:endParaRPr lang="en-US" dirty="0"/>
+                    </a:p>
+                  </a:txBody>
+                  <a:tcPr/>
+                </a:tc>
+                <a:tc>
+                  <a:txBody>
+                    <a:bodyPr/>
+                    <a:lstStyle/>
+                    <a:p>
+                      <a:r>
+                        <a:rPr lang="en-US" dirty="0" smtClean="0"/>
+                        <a:t>Avoid Cost</a:t>
+                      </a:r>
+                      <a:endParaRPr lang="en-US" dirty="0"/>
+                    </a:p>
+                  </a:txBody>
+                  <a:tcPr/>
+                </a:tc>
+                <a:tc>
+                  <a:txBody>
+                    <a:bodyPr/>
+                    <a:lstStyle/>
+                    <a:p>
+                      <a:r>
+                        <a:rPr lang="en-US" dirty="0" smtClean="0"/>
+                        <a:t>Less</a:t>
+                      </a:r>
+                      <a:r>
+                        <a:rPr lang="en-US" baseline="0" dirty="0" smtClean="0"/>
+                        <a:t> human error, Faster deployment </a:t>
+                      </a:r>
+                      <a:endParaRPr lang="en-US" dirty="0"/>
+                    </a:p>
+                  </a:txBody>
+                  <a:tcPr/>
+                </a:tc>
+                <a:extLst>
+                  <a:ext uri="{0D108BD9-81ED-4DB2-BD59-A6C34878D82A}">
+                    <a16:rowId xmlns:a16="http://schemas.microsoft.com/office/drawing/2014/main" val="2870912124"/>
+                  </a:ext>
+                </a:extLst>
+              </a:tr>
+              <a:tr h="342567">
+                <a:tc>
+                  <a:txBody>
+                    <a:bodyPr/>
+                    <a:lstStyle/>
+                    <a:p>
+                      <a:r>
+                        <a:rPr lang="en-US" dirty="0" smtClean="0"/>
+                        <a:t>Automate</a:t>
+                      </a:r>
+                      <a:r>
+                        <a:rPr lang="en-US" baseline="0" dirty="0" smtClean="0"/>
+                        <a:t> Infrastructure Cleanup</a:t>
+                      </a:r>
+                      <a:endParaRPr lang="en-US" dirty="0"/>
+                    </a:p>
+                  </a:txBody>
+                  <a:tcPr/>
+                </a:tc>
+                <a:tc>
+                  <a:txBody>
+                    <a:bodyPr/>
+                    <a:lstStyle/>
+                    <a:p>
+                      <a:r>
+                        <a:rPr lang="en-US" dirty="0" smtClean="0"/>
+                        <a:t>Reduce Cost</a:t>
+                      </a:r>
+                      <a:endParaRPr lang="en-US" dirty="0"/>
+                    </a:p>
+                  </a:txBody>
+                  <a:tcPr/>
+                </a:tc>
+                <a:tc>
+                  <a:txBody>
+                    <a:bodyPr/>
+                    <a:lstStyle/>
+                    <a:p>
+                      <a:r>
+                        <a:rPr lang="en-US" dirty="0" smtClean="0"/>
+                        <a:t>Less infrastructure</a:t>
+                      </a:r>
+                      <a:r>
+                        <a:rPr lang="en-US" baseline="0" dirty="0" smtClean="0"/>
+                        <a:t> costs from unused resources</a:t>
+                      </a:r>
+                      <a:endParaRPr lang="en-US" dirty="0"/>
+                    </a:p>
+                  </a:txBody>
+                  <a:tcPr/>
+                </a:tc>
+                <a:extLst>
+                  <a:ext uri="{0D108BD9-81ED-4DB2-BD59-A6C34878D82A}">
+                    <a16:rowId xmlns:a16="http://schemas.microsoft.com/office/drawing/2014/main" val="749090505"/>
+                  </a:ext>
+                </a:extLst>
+              </a:tr>
+              <a:tr h="591281">
+                <a:tc>
+                  <a:txBody>
+                    <a:bodyPr/>
+                    <a:lstStyle/>
+                    <a:p>
+                      <a:r>
+                        <a:rPr lang="en-US" dirty="0" smtClean="0"/>
+                        <a:t>Faster ans More Frequent Production Deployments</a:t>
+                      </a:r>
+                      <a:endParaRPr lang="en-US" dirty="0"/>
+                    </a:p>
+                  </a:txBody>
+                  <a:tcPr/>
+                </a:tc>
+                <a:tc>
+                  <a:txBody>
+                    <a:bodyPr/>
+                    <a:lstStyle/>
+                    <a:p>
+                      <a:r>
+                        <a:rPr lang="en-US" dirty="0" smtClean="0"/>
+                        <a:t>Increase</a:t>
+                      </a:r>
+                      <a:r>
+                        <a:rPr lang="en-US" baseline="0" dirty="0" smtClean="0"/>
+                        <a:t> Revenue</a:t>
+                      </a:r>
+                      <a:endParaRPr lang="en-US" dirty="0"/>
+                    </a:p>
+                  </a:txBody>
+                  <a:tcPr/>
+                </a:tc>
+                <a:tc>
+                  <a:txBody>
+                    <a:bodyPr/>
+                    <a:lstStyle/>
+                    <a:p>
+                      <a:r>
+                        <a:rPr lang="en-US" dirty="0" smtClean="0"/>
+                        <a:t>New value-generating feature release more quickly</a:t>
+                      </a:r>
+                      <a:endParaRPr lang="en-US" dirty="0"/>
+                    </a:p>
+                  </a:txBody>
+                  <a:tcPr/>
+                </a:tc>
+                <a:extLst>
+                  <a:ext uri="{0D108BD9-81ED-4DB2-BD59-A6C34878D82A}">
+                    <a16:rowId xmlns:a16="http://schemas.microsoft.com/office/drawing/2014/main" val="726936177"/>
+                  </a:ext>
+                </a:extLst>
+              </a:tr>
+            </a:tbl>
+          </a:graphicData>
+        </a:graphic>
+      </p:graphicFrame>
     </p:spTree>
     <p:extLst>
       <p:ext uri="{BB962C8B-B14F-4D97-AF65-F5344CB8AC3E}">
@@ -6096,6 +6396,387 @@
         </p:nvSpPr>
         <p:spPr>
           <a:xfrm>
+            <a:off x="720926" y="369590"/>
+            <a:ext cx="9765216" cy="1400530"/>
+          </a:xfrm>
+        </p:spPr>
+        <p:txBody>
+          <a:bodyPr/>
+          <a:lstStyle/>
+          <a:p>
+            <a:r>
+              <a:rPr lang="en-GB" sz="4000" dirty="0">
+                <a:solidFill>
+                  <a:schemeClr val="accent5">
+                    <a:lumMod val="60000"/>
+                    <a:lumOff val="40000"/>
+                  </a:schemeClr>
+                </a:solidFill>
+              </a:rPr>
+              <a:t>What</a:t>
+            </a:r>
+            <a:r>
+              <a:rPr lang="en-GB" sz="4000" dirty="0"/>
+              <a:t> </a:t>
+            </a:r>
+            <a:r>
+              <a:rPr lang="en-GB" sz="4000" dirty="0">
+                <a:solidFill>
+                  <a:schemeClr val="accent5">
+                    <a:lumMod val="60000"/>
+                    <a:lumOff val="40000"/>
+                  </a:schemeClr>
+                </a:solidFill>
+              </a:rPr>
+              <a:t>are the Business Benefits of CI/CD</a:t>
+            </a:r>
+            <a:r>
+              <a:rPr lang="en-GB" sz="4000" dirty="0" smtClean="0">
+                <a:solidFill>
+                  <a:schemeClr val="accent5">
+                    <a:lumMod val="60000"/>
+                    <a:lumOff val="40000"/>
+                  </a:schemeClr>
+                </a:solidFill>
+              </a:rPr>
+              <a:t>?</a:t>
+            </a:r>
+            <a:endParaRPr lang="en-US" sz="4000" dirty="0">
+              <a:solidFill>
+                <a:schemeClr val="accent5">
+                  <a:lumMod val="60000"/>
+                  <a:lumOff val="40000"/>
+                </a:schemeClr>
+              </a:solidFill>
+            </a:endParaRPr>
+          </a:p>
+        </p:txBody>
+      </p:sp>
+      <p:graphicFrame>
+        <p:nvGraphicFramePr>
+          <p:cNvPr id="4" name="Content Placeholder 3"/>
+          <p:cNvGraphicFramePr>
+            <a:graphicFrameLocks noGrp="1"/>
+          </p:cNvGraphicFramePr>
+          <p:nvPr>
+            <p:ph idx="1"/>
+            <p:extLst>
+              <p:ext uri="{D42A27DB-BD31-4B8C-83A1-F6EECF244321}">
+                <p14:modId xmlns:p14="http://schemas.microsoft.com/office/powerpoint/2010/main" val="2980547406"/>
+              </p:ext>
+            </p:extLst>
+          </p:nvPr>
+        </p:nvGraphicFramePr>
+        <p:xfrm>
+          <a:off x="720926" y="1896954"/>
+          <a:ext cx="10640181" cy="2286000"/>
+        </p:xfrm>
+        <a:graphic>
+          <a:graphicData uri="http://schemas.openxmlformats.org/drawingml/2006/table">
+            <a:tbl>
+              <a:tblPr firstRow="1" bandRow="1">
+                <a:tableStyleId>{5C22544A-7EE6-4342-B048-85BDC9FD1C3A}</a:tableStyleId>
+              </a:tblPr>
+              <a:tblGrid>
+                <a:gridCol w="3546727">
+                  <a:extLst>
+                    <a:ext uri="{9D8B030D-6E8A-4147-A177-3AD203B41FA5}">
+                      <a16:colId xmlns:a16="http://schemas.microsoft.com/office/drawing/2014/main" val="4281588317"/>
+                    </a:ext>
+                  </a:extLst>
+                </a:gridCol>
+                <a:gridCol w="3546727">
+                  <a:extLst>
+                    <a:ext uri="{9D8B030D-6E8A-4147-A177-3AD203B41FA5}">
+                      <a16:colId xmlns:a16="http://schemas.microsoft.com/office/drawing/2014/main" val="2209615778"/>
+                    </a:ext>
+                  </a:extLst>
+                </a:gridCol>
+                <a:gridCol w="3546727">
+                  <a:extLst>
+                    <a:ext uri="{9D8B030D-6E8A-4147-A177-3AD203B41FA5}">
+                      <a16:colId xmlns:a16="http://schemas.microsoft.com/office/drawing/2014/main" val="3982292455"/>
+                    </a:ext>
+                  </a:extLst>
+                </a:gridCol>
+              </a:tblGrid>
+              <a:tr h="342567">
+                <a:tc>
+                  <a:txBody>
+                    <a:bodyPr/>
+                    <a:lstStyle/>
+                    <a:p>
+                      <a:r>
+                        <a:rPr lang="en-US" dirty="0" smtClean="0"/>
+                        <a:t>CI/CD Language</a:t>
+                      </a:r>
+                      <a:endParaRPr lang="en-US" dirty="0"/>
+                    </a:p>
+                  </a:txBody>
+                  <a:tcPr/>
+                </a:tc>
+                <a:tc>
+                  <a:txBody>
+                    <a:bodyPr/>
+                    <a:lstStyle/>
+                    <a:p>
+                      <a:r>
+                        <a:rPr lang="en-US" dirty="0" smtClean="0"/>
+                        <a:t>Capture value</a:t>
+                      </a:r>
+                      <a:endParaRPr lang="en-US" dirty="0"/>
+                    </a:p>
+                  </a:txBody>
+                  <a:tcPr/>
+                </a:tc>
+                <a:tc>
+                  <a:txBody>
+                    <a:bodyPr/>
+                    <a:lstStyle/>
+                    <a:p>
+                      <a:r>
+                        <a:rPr lang="en-US" dirty="0" smtClean="0"/>
+                        <a:t>Translation</a:t>
+                      </a:r>
+                      <a:endParaRPr lang="en-US" dirty="0"/>
+                    </a:p>
+                  </a:txBody>
+                  <a:tcPr/>
+                </a:tc>
+                <a:extLst>
+                  <a:ext uri="{0D108BD9-81ED-4DB2-BD59-A6C34878D82A}">
+                    <a16:rowId xmlns:a16="http://schemas.microsoft.com/office/drawing/2014/main" val="2551068376"/>
+                  </a:ext>
+                </a:extLst>
+              </a:tr>
+              <a:tr h="591281">
+                <a:tc>
+                  <a:txBody>
+                    <a:bodyPr/>
+                    <a:lstStyle/>
+                    <a:p>
+                      <a:r>
+                        <a:rPr lang="en-US" dirty="0" smtClean="0"/>
+                        <a:t>Deploy to Production Without</a:t>
+                      </a:r>
+                      <a:r>
+                        <a:rPr lang="en-US" baseline="0" dirty="0" smtClean="0"/>
+                        <a:t> Manual Checks</a:t>
+                      </a:r>
+                      <a:endParaRPr lang="en-US" dirty="0"/>
+                    </a:p>
+                  </a:txBody>
+                  <a:tcPr/>
+                </a:tc>
+                <a:tc>
+                  <a:txBody>
+                    <a:bodyPr/>
+                    <a:lstStyle/>
+                    <a:p>
+                      <a:r>
+                        <a:rPr lang="en-US" dirty="0" smtClean="0"/>
+                        <a:t>Increase</a:t>
+                      </a:r>
+                      <a:r>
+                        <a:rPr lang="en-US" baseline="0" dirty="0" smtClean="0"/>
+                        <a:t> Revenue</a:t>
+                      </a:r>
+                      <a:endParaRPr lang="en-US" dirty="0"/>
+                    </a:p>
+                  </a:txBody>
+                  <a:tcPr/>
+                </a:tc>
+                <a:tc>
+                  <a:txBody>
+                    <a:bodyPr/>
+                    <a:lstStyle/>
+                    <a:p>
+                      <a:r>
+                        <a:rPr lang="en-US" dirty="0" smtClean="0"/>
+                        <a:t>Less time to</a:t>
+                      </a:r>
+                      <a:r>
+                        <a:rPr lang="en-US" baseline="0" dirty="0" smtClean="0"/>
+                        <a:t> maket</a:t>
+                      </a:r>
+                      <a:endParaRPr lang="en-US" dirty="0"/>
+                    </a:p>
+                  </a:txBody>
+                  <a:tcPr/>
+                </a:tc>
+                <a:extLst>
+                  <a:ext uri="{0D108BD9-81ED-4DB2-BD59-A6C34878D82A}">
+                    <a16:rowId xmlns:a16="http://schemas.microsoft.com/office/drawing/2014/main" val="1690326697"/>
+                  </a:ext>
+                </a:extLst>
+              </a:tr>
+              <a:tr h="591281">
+                <a:tc>
+                  <a:txBody>
+                    <a:bodyPr/>
+                    <a:lstStyle/>
+                    <a:p>
+                      <a:r>
+                        <a:rPr lang="en-US" dirty="0" smtClean="0"/>
+                        <a:t>Automated</a:t>
+                      </a:r>
+                      <a:r>
+                        <a:rPr lang="en-US" baseline="0" dirty="0" smtClean="0"/>
+                        <a:t> Smoke Tests</a:t>
+                      </a:r>
+                      <a:endParaRPr lang="en-US" dirty="0"/>
+                    </a:p>
+                  </a:txBody>
+                  <a:tcPr/>
+                </a:tc>
+                <a:tc>
+                  <a:txBody>
+                    <a:bodyPr/>
+                    <a:lstStyle/>
+                    <a:p>
+                      <a:r>
+                        <a:rPr lang="en-US" dirty="0" smtClean="0"/>
+                        <a:t>Protect Revenue</a:t>
+                      </a:r>
+                      <a:endParaRPr lang="en-US" dirty="0"/>
+                    </a:p>
+                  </a:txBody>
+                  <a:tcPr/>
+                </a:tc>
+                <a:tc>
+                  <a:txBody>
+                    <a:bodyPr/>
+                    <a:lstStyle/>
+                    <a:p>
+                      <a:r>
+                        <a:rPr lang="en-US" dirty="0" smtClean="0"/>
+                        <a:t>Reduced down</a:t>
+                      </a:r>
+                      <a:r>
+                        <a:rPr lang="en-US" baseline="0" dirty="0" smtClean="0"/>
+                        <a:t>time from a deploy-related crash or major bug</a:t>
+                      </a:r>
+                      <a:endParaRPr lang="en-US" dirty="0"/>
+                    </a:p>
+                  </a:txBody>
+                  <a:tcPr/>
+                </a:tc>
+                <a:extLst>
+                  <a:ext uri="{0D108BD9-81ED-4DB2-BD59-A6C34878D82A}">
+                    <a16:rowId xmlns:a16="http://schemas.microsoft.com/office/drawing/2014/main" val="4290159431"/>
+                  </a:ext>
+                </a:extLst>
+              </a:tr>
+              <a:tr h="591281">
+                <a:tc>
+                  <a:txBody>
+                    <a:bodyPr/>
+                    <a:lstStyle/>
+                    <a:p>
+                      <a:r>
+                        <a:rPr lang="en-US" dirty="0" smtClean="0"/>
+                        <a:t>Automated</a:t>
+                      </a:r>
+                      <a:r>
+                        <a:rPr lang="en-US" baseline="0" dirty="0" smtClean="0"/>
+                        <a:t> Rollback Trigger by Job Failure</a:t>
+                      </a:r>
+                      <a:endParaRPr lang="en-US" dirty="0"/>
+                    </a:p>
+                  </a:txBody>
+                  <a:tcPr/>
+                </a:tc>
+                <a:tc>
+                  <a:txBody>
+                    <a:bodyPr/>
+                    <a:lstStyle/>
+                    <a:p>
+                      <a:r>
+                        <a:rPr lang="en-US" dirty="0" smtClean="0"/>
+                        <a:t>Protect Revenue</a:t>
+                      </a:r>
+                      <a:endParaRPr lang="en-US" dirty="0"/>
+                    </a:p>
+                  </a:txBody>
+                  <a:tcPr/>
+                </a:tc>
+                <a:tc>
+                  <a:txBody>
+                    <a:bodyPr/>
+                    <a:lstStyle/>
+                    <a:p>
+                      <a:r>
+                        <a:rPr lang="en-US" dirty="0" smtClean="0"/>
+                        <a:t>Quick</a:t>
+                      </a:r>
+                      <a:r>
+                        <a:rPr lang="en-US" baseline="0" dirty="0" smtClean="0"/>
+                        <a:t> undo to return production to working state</a:t>
+                      </a:r>
+                      <a:endParaRPr lang="en-US" dirty="0"/>
+                    </a:p>
+                  </a:txBody>
+                  <a:tcPr/>
+                </a:tc>
+                <a:extLst>
+                  <a:ext uri="{0D108BD9-81ED-4DB2-BD59-A6C34878D82A}">
+                    <a16:rowId xmlns:a16="http://schemas.microsoft.com/office/drawing/2014/main" val="1297004356"/>
+                  </a:ext>
+                </a:extLst>
+              </a:tr>
+            </a:tbl>
+          </a:graphicData>
+        </a:graphic>
+      </p:graphicFrame>
+    </p:spTree>
+    <p:extLst>
+      <p:ext uri="{BB962C8B-B14F-4D97-AF65-F5344CB8AC3E}">
+        <p14:creationId xmlns:p14="http://schemas.microsoft.com/office/powerpoint/2010/main" val="3788921133"/>
+      </p:ext>
+    </p:extLst>
+  </p:cSld>
+  <p:clrMapOvr>
+    <a:masterClrMapping/>
+  </p:clrMapOvr>
+  <p:timing>
+    <p:tnLst>
+      <p:par>
+        <p:cTn id="1" dur="indefinite" restart="never" nodeType="tmRoot"/>
+      </p:par>
+    </p:tnLst>
+  </p:timing>
+</p:sld>
+</file>
+
+<file path=ppt/slides/slide8.xml><?xml version="1.0" encoding="utf-8"?>
+<p:sld xmlns:a="http://schemas.openxmlformats.org/drawingml/2006/main" xmlns:r="http://schemas.openxmlformats.org/officeDocument/2006/relationships" xmlns:p="http://schemas.openxmlformats.org/presentationml/2006/main">
+  <p:cSld>
+    <p:spTree>
+      <p:nvGrpSpPr>
+        <p:cNvPr id="1" name=""/>
+        <p:cNvGrpSpPr/>
+        <p:nvPr/>
+      </p:nvGrpSpPr>
+      <p:grpSpPr>
+        <a:xfrm>
+          <a:off x="0" y="0"/>
+          <a:ext cx="0" cy="0"/>
+          <a:chOff x="0" y="0"/>
+          <a:chExt cx="0" cy="0"/>
+        </a:xfrm>
+      </p:grpSpPr>
+      <p:sp>
+        <p:nvSpPr>
+          <p:cNvPr id="2" name="Tiêu đề 1"/>
+          <p:cNvSpPr>
+            <a:spLocks noGrp="1"/>
+          </p:cNvSpPr>
+          <p:nvPr>
+            <p:ph type="title"/>
+          </p:nvPr>
+        </p:nvSpPr>
+        <p:spPr>
+          <a:xfrm>
             <a:off x="806335" y="278290"/>
             <a:ext cx="10058400" cy="1450757"/>
           </a:xfrm>
@@ -6208,7 +6889,7 @@
 </p:sld>
 </file>
 
-<file path=ppt/slides/slide8.xml><?xml version="1.0" encoding="utf-8"?>
+<file path=ppt/slides/slide9.xml><?xml version="1.0" encoding="utf-8"?>
 <p:sld xmlns:a="http://schemas.openxmlformats.org/drawingml/2006/main" xmlns:r="http://schemas.openxmlformats.org/officeDocument/2006/relationships" xmlns:p="http://schemas.openxmlformats.org/presentationml/2006/main">
   <p:cSld>
     <p:spTree>
